--- a/02. Planificacion/Cronograma de alto nivel - Hitos.pptx
+++ b/02. Planificacion/Cronograma de alto nivel - Hitos.pptx
@@ -254,7 +254,7 @@
           <a:p>
             <a:fld id="{C5164158-0CE9-4349-B3F5-2F2E57F0D0CB}" type="datetimeFigureOut">
               <a:rPr lang="en-US" smtClean="0"/>
-              <a:t>10/8/2025</a:t>
+              <a:t>10/31/2025</a:t>
             </a:fld>
             <a:endParaRPr lang="en-US"/>
           </a:p>
@@ -424,7 +424,7 @@
           <a:p>
             <a:fld id="{C5164158-0CE9-4349-B3F5-2F2E57F0D0CB}" type="datetimeFigureOut">
               <a:rPr lang="en-US" smtClean="0"/>
-              <a:t>10/8/2025</a:t>
+              <a:t>10/31/2025</a:t>
             </a:fld>
             <a:endParaRPr lang="en-US"/>
           </a:p>
@@ -604,7 +604,7 @@
           <a:p>
             <a:fld id="{C5164158-0CE9-4349-B3F5-2F2E57F0D0CB}" type="datetimeFigureOut">
               <a:rPr lang="en-US" smtClean="0"/>
-              <a:t>10/8/2025</a:t>
+              <a:t>10/31/2025</a:t>
             </a:fld>
             <a:endParaRPr lang="en-US"/>
           </a:p>
@@ -774,7 +774,7 @@
           <a:p>
             <a:fld id="{C5164158-0CE9-4349-B3F5-2F2E57F0D0CB}" type="datetimeFigureOut">
               <a:rPr lang="en-US" smtClean="0"/>
-              <a:t>10/8/2025</a:t>
+              <a:t>10/31/2025</a:t>
             </a:fld>
             <a:endParaRPr lang="en-US"/>
           </a:p>
@@ -1018,7 +1018,7 @@
           <a:p>
             <a:fld id="{C5164158-0CE9-4349-B3F5-2F2E57F0D0CB}" type="datetimeFigureOut">
               <a:rPr lang="en-US" smtClean="0"/>
-              <a:t>10/8/2025</a:t>
+              <a:t>10/31/2025</a:t>
             </a:fld>
             <a:endParaRPr lang="en-US"/>
           </a:p>
@@ -1250,7 +1250,7 @@
           <a:p>
             <a:fld id="{C5164158-0CE9-4349-B3F5-2F2E57F0D0CB}" type="datetimeFigureOut">
               <a:rPr lang="en-US" smtClean="0"/>
-              <a:t>10/8/2025</a:t>
+              <a:t>10/31/2025</a:t>
             </a:fld>
             <a:endParaRPr lang="en-US"/>
           </a:p>
@@ -1617,7 +1617,7 @@
           <a:p>
             <a:fld id="{C5164158-0CE9-4349-B3F5-2F2E57F0D0CB}" type="datetimeFigureOut">
               <a:rPr lang="en-US" smtClean="0"/>
-              <a:t>10/8/2025</a:t>
+              <a:t>10/31/2025</a:t>
             </a:fld>
             <a:endParaRPr lang="en-US"/>
           </a:p>
@@ -1735,7 +1735,7 @@
           <a:p>
             <a:fld id="{C5164158-0CE9-4349-B3F5-2F2E57F0D0CB}" type="datetimeFigureOut">
               <a:rPr lang="en-US" smtClean="0"/>
-              <a:t>10/8/2025</a:t>
+              <a:t>10/31/2025</a:t>
             </a:fld>
             <a:endParaRPr lang="en-US"/>
           </a:p>
@@ -1830,7 +1830,7 @@
           <a:p>
             <a:fld id="{C5164158-0CE9-4349-B3F5-2F2E57F0D0CB}" type="datetimeFigureOut">
               <a:rPr lang="en-US" smtClean="0"/>
-              <a:t>10/8/2025</a:t>
+              <a:t>10/31/2025</a:t>
             </a:fld>
             <a:endParaRPr lang="en-US"/>
           </a:p>
@@ -2107,7 +2107,7 @@
           <a:p>
             <a:fld id="{C5164158-0CE9-4349-B3F5-2F2E57F0D0CB}" type="datetimeFigureOut">
               <a:rPr lang="en-US" smtClean="0"/>
-              <a:t>10/8/2025</a:t>
+              <a:t>10/31/2025</a:t>
             </a:fld>
             <a:endParaRPr lang="en-US"/>
           </a:p>
@@ -2364,7 +2364,7 @@
           <a:p>
             <a:fld id="{C5164158-0CE9-4349-B3F5-2F2E57F0D0CB}" type="datetimeFigureOut">
               <a:rPr lang="en-US" smtClean="0"/>
-              <a:t>10/8/2025</a:t>
+              <a:t>10/31/2025</a:t>
             </a:fld>
             <a:endParaRPr lang="en-US"/>
           </a:p>
@@ -2641,7 +2641,7 @@
           <a:p>
             <a:fld id="{C5164158-0CE9-4349-B3F5-2F2E57F0D0CB}" type="datetimeFigureOut">
               <a:rPr lang="en-US" smtClean="0"/>
-              <a:t>10/8/2025</a:t>
+              <a:t>10/31/2025</a:t>
             </a:fld>
             <a:endParaRPr lang="en-US"/>
           </a:p>
@@ -5034,7 +5034,7 @@
           <a:p>
             <a:r>
               <a:rPr lang="en-US" sz="1000" dirty="0"/>
-              <a:t>Oct 6 - Oct 9</a:t>
+              <a:t>Oct 6 - Oct 15</a:t>
             </a:r>
           </a:p>
         </p:txBody>
@@ -5165,7 +5165,7 @@
           <a:p>
             <a:r>
               <a:rPr lang="en-US" sz="1000" dirty="0"/>
-              <a:t>Oct 10 – Oct 16</a:t>
+              <a:t>Oct 16 – Oct 22</a:t>
             </a:r>
           </a:p>
         </p:txBody>
@@ -5371,7 +5371,7 @@
           <a:p>
             <a:r>
               <a:rPr lang="en-US" sz="1000" dirty="0"/>
-              <a:t>Oct 17 - Oct 23</a:t>
+              <a:t>Oct 23 - Oct 29</a:t>
             </a:r>
           </a:p>
         </p:txBody>
@@ -5502,7 +5502,7 @@
           <a:p>
             <a:r>
               <a:rPr lang="en-US" sz="1000" dirty="0"/>
-              <a:t>Oct 24 - Oct 30</a:t>
+              <a:t>Oct 30 - Nov 03</a:t>
             </a:r>
           </a:p>
         </p:txBody>
@@ -5633,7 +5633,7 @@
           <a:p>
             <a:r>
               <a:rPr lang="en-US" sz="1000" dirty="0"/>
-              <a:t>Oct 31 - Nov 6</a:t>
+              <a:t>Nov 04 - Nov 07</a:t>
             </a:r>
           </a:p>
         </p:txBody>
@@ -5831,7 +5831,7 @@
           <a:p>
             <a:r>
               <a:rPr lang="en-US" sz="1000" dirty="0"/>
-              <a:t>Nov 7</a:t>
+              <a:t>Nov 07</a:t>
             </a:r>
           </a:p>
         </p:txBody>
@@ -6625,7 +6625,7 @@
                   <a:schemeClr val="tx2"/>
                 </a:solidFill>
               </a:rPr>
-              <a:t>Oct 10</a:t>
+              <a:t>Oct 16</a:t>
             </a:r>
           </a:p>
         </p:txBody>
@@ -6838,7 +6838,7 @@
                   <a:schemeClr val="tx2"/>
                 </a:solidFill>
               </a:rPr>
-              <a:t>Oct 17</a:t>
+              <a:t>Oct 23</a:t>
             </a:r>
           </a:p>
         </p:txBody>
@@ -6997,7 +6997,7 @@
                   <a:schemeClr val="tx2"/>
                 </a:solidFill>
               </a:rPr>
-              <a:t>Oct 24</a:t>
+              <a:t>Oct 30</a:t>
             </a:r>
           </a:p>
         </p:txBody>
@@ -7191,7 +7191,7 @@
         <p:spPr>
           <a:xfrm>
             <a:off x="5664754" y="1821825"/>
-            <a:ext cx="343043" cy="153888"/>
+            <a:ext cx="368691" cy="153888"/>
           </a:xfrm>
           <a:prstGeom prst="rect">
             <a:avLst/>
@@ -7210,7 +7210,7 @@
                   <a:schemeClr val="tx2"/>
                 </a:solidFill>
               </a:rPr>
-              <a:t>Oct 31</a:t>
+              <a:t>Nov 04</a:t>
             </a:r>
           </a:p>
         </p:txBody>
@@ -8215,6 +8215,77 @@
 </file>
 
 <file path=customXml/item1.xml><?xml version="1.0" encoding="utf-8"?>
+<?mso-contentType ?>
+<spe:Receivers xmlns:spe="http://schemas.microsoft.com/sharepoint/events">
+  <Receiver>
+    <Name>Document ID Generator</Name>
+    <Synchronization>Synchronous</Synchronization>
+    <Type>10001</Type>
+    <SequenceNumber>1000</SequenceNumber>
+    <Url/>
+    <Assembly>Microsoft.Office.DocumentManagement, Version=15.0.0.0, Culture=neutral, PublicKeyToken=71e9bce111e9429c</Assembly>
+    <Class>Microsoft.Office.DocumentManagement.Internal.DocIdHandler</Class>
+    <Data/>
+    <Filter/>
+  </Receiver>
+  <Receiver>
+    <Name>Document ID Generator</Name>
+    <Synchronization>Synchronous</Synchronization>
+    <Type>10002</Type>
+    <SequenceNumber>1001</SequenceNumber>
+    <Url/>
+    <Assembly>Microsoft.Office.DocumentManagement, Version=15.0.0.0, Culture=neutral, PublicKeyToken=71e9bce111e9429c</Assembly>
+    <Class>Microsoft.Office.DocumentManagement.Internal.DocIdHandler</Class>
+    <Data/>
+    <Filter/>
+  </Receiver>
+  <Receiver>
+    <Name>Document ID Generator</Name>
+    <Synchronization>Synchronous</Synchronization>
+    <Type>10004</Type>
+    <SequenceNumber>1002</SequenceNumber>
+    <Url/>
+    <Assembly>Microsoft.Office.DocumentManagement, Version=15.0.0.0, Culture=neutral, PublicKeyToken=71e9bce111e9429c</Assembly>
+    <Class>Microsoft.Office.DocumentManagement.Internal.DocIdHandler</Class>
+    <Data/>
+    <Filter/>
+  </Receiver>
+  <Receiver>
+    <Name>Document ID Generator</Name>
+    <Synchronization>Synchronous</Synchronization>
+    <Type>10006</Type>
+    <SequenceNumber>1003</SequenceNumber>
+    <Url/>
+    <Assembly>Microsoft.Office.DocumentManagement, Version=15.0.0.0, Culture=neutral, PublicKeyToken=71e9bce111e9429c</Assembly>
+    <Class>Microsoft.Office.DocumentManagement.Internal.DocIdHandler</Class>
+    <Data/>
+    <Filter/>
+  </Receiver>
+</spe:Receivers>
+</file>
+
+<file path=customXml/item2.xml><?xml version="1.0" encoding="utf-8"?>
+<p:properties xmlns:p="http://schemas.microsoft.com/office/2006/metadata/properties" xmlns:xsi="http://www.w3.org/2001/XMLSchema-instance" xmlns:pc="http://schemas.microsoft.com/office/infopath/2007/PartnerControls">
+  <documentManagement>
+    <_dlc_DocId xmlns="01eb4bd6-a8ff-4439-b7eb-fe0a650fbd8a">FWJASSSE55TN-275-99</_dlc_DocId>
+    <_dlc_DocIdUrl xmlns="01eb4bd6-a8ff-4439-b7eb-fe0a650fbd8a">
+      <Url>https://portal.smrey.net/areas/it/_layouts/15/DocIdRedir.aspx?ID=FWJASSSE55TN-275-99</Url>
+      <Description>FWJASSSE55TN-275-99</Description>
+    </_dlc_DocIdUrl>
+  </documentManagement>
+</p:properties>
+</file>
+
+<file path=customXml/item3.xml><?xml version="1.0" encoding="utf-8"?>
+<?mso-contentType ?>
+<FormTemplates xmlns="http://schemas.microsoft.com/sharepoint/v3/contenttype/forms">
+  <Display>DocumentLibraryForm</Display>
+  <Edit>DocumentLibraryForm</Edit>
+  <New>DocumentLibraryForm</New>
+</FormTemplates>
+</file>
+
+<file path=customXml/item4.xml><?xml version="1.0" encoding="utf-8"?>
 <ct:contentTypeSchema xmlns:ct="http://schemas.microsoft.com/office/2006/metadata/contentType" xmlns:ma="http://schemas.microsoft.com/office/2006/metadata/properties/metaAttributes" ct:_="" ma:_="" ma:contentTypeName="Documento" ma:contentTypeID="0x010100A5124E24CAF14D46B2DD609ACFD84C07" ma:contentTypeVersion="0" ma:contentTypeDescription="Crear nuevo documento." ma:contentTypeScope="" ma:versionID="de664effb0a23aec775b6884083f1507">
   <xsd:schema xmlns:xsd="http://www.w3.org/2001/XMLSchema" xmlns:xs="http://www.w3.org/2001/XMLSchema" xmlns:p="http://schemas.microsoft.com/office/2006/metadata/properties" xmlns:ns2="01eb4bd6-a8ff-4439-b7eb-fe0a650fbd8a" targetNamespace="http://schemas.microsoft.com/office/2006/metadata/properties" ma:root="true" ma:fieldsID="d8ef9ce5e2f992f4a0d6f8aeafc38bc7" ns2:_="">
     <xsd:import namespace="01eb4bd6-a8ff-4439-b7eb-fe0a650fbd8a"/>
@@ -8359,78 +8430,39 @@
 </ct:contentTypeSchema>
 </file>
 
-<file path=customXml/item2.xml><?xml version="1.0" encoding="utf-8"?>
-<?mso-contentType ?>
-<FormTemplates xmlns="http://schemas.microsoft.com/sharepoint/v3/contenttype/forms">
-  <Display>DocumentLibraryForm</Display>
-  <Edit>DocumentLibraryForm</Edit>
-  <New>DocumentLibraryForm</New>
-</FormTemplates>
-</file>
-
-<file path=customXml/item3.xml><?xml version="1.0" encoding="utf-8"?>
-<p:properties xmlns:p="http://schemas.microsoft.com/office/2006/metadata/properties" xmlns:xsi="http://www.w3.org/2001/XMLSchema-instance" xmlns:pc="http://schemas.microsoft.com/office/infopath/2007/PartnerControls">
-  <documentManagement>
-    <_dlc_DocId xmlns="01eb4bd6-a8ff-4439-b7eb-fe0a650fbd8a">FWJASSSE55TN-275-99</_dlc_DocId>
-    <_dlc_DocIdUrl xmlns="01eb4bd6-a8ff-4439-b7eb-fe0a650fbd8a">
-      <Url>https://portal.smrey.net/areas/it/_layouts/15/DocIdRedir.aspx?ID=FWJASSSE55TN-275-99</Url>
-      <Description>FWJASSSE55TN-275-99</Description>
-    </_dlc_DocIdUrl>
-  </documentManagement>
-</p:properties>
-</file>
-
-<file path=customXml/item4.xml><?xml version="1.0" encoding="utf-8"?>
-<?mso-contentType ?>
-<spe:Receivers xmlns:spe="http://schemas.microsoft.com/sharepoint/events">
-  <Receiver>
-    <Name>Document ID Generator</Name>
-    <Synchronization>Synchronous</Synchronization>
-    <Type>10001</Type>
-    <SequenceNumber>1000</SequenceNumber>
-    <Url/>
-    <Assembly>Microsoft.Office.DocumentManagement, Version=15.0.0.0, Culture=neutral, PublicKeyToken=71e9bce111e9429c</Assembly>
-    <Class>Microsoft.Office.DocumentManagement.Internal.DocIdHandler</Class>
-    <Data/>
-    <Filter/>
-  </Receiver>
-  <Receiver>
-    <Name>Document ID Generator</Name>
-    <Synchronization>Synchronous</Synchronization>
-    <Type>10002</Type>
-    <SequenceNumber>1001</SequenceNumber>
-    <Url/>
-    <Assembly>Microsoft.Office.DocumentManagement, Version=15.0.0.0, Culture=neutral, PublicKeyToken=71e9bce111e9429c</Assembly>
-    <Class>Microsoft.Office.DocumentManagement.Internal.DocIdHandler</Class>
-    <Data/>
-    <Filter/>
-  </Receiver>
-  <Receiver>
-    <Name>Document ID Generator</Name>
-    <Synchronization>Synchronous</Synchronization>
-    <Type>10004</Type>
-    <SequenceNumber>1002</SequenceNumber>
-    <Url/>
-    <Assembly>Microsoft.Office.DocumentManagement, Version=15.0.0.0, Culture=neutral, PublicKeyToken=71e9bce111e9429c</Assembly>
-    <Class>Microsoft.Office.DocumentManagement.Internal.DocIdHandler</Class>
-    <Data/>
-    <Filter/>
-  </Receiver>
-  <Receiver>
-    <Name>Document ID Generator</Name>
-    <Synchronization>Synchronous</Synchronization>
-    <Type>10006</Type>
-    <SequenceNumber>1003</SequenceNumber>
-    <Url/>
-    <Assembly>Microsoft.Office.DocumentManagement, Version=15.0.0.0, Culture=neutral, PublicKeyToken=71e9bce111e9429c</Assembly>
-    <Class>Microsoft.Office.DocumentManagement.Internal.DocIdHandler</Class>
-    <Data/>
-    <Filter/>
-  </Receiver>
-</spe:Receivers>
-</file>
-
 <file path=customXml/itemProps1.xml><?xml version="1.0" encoding="utf-8"?>
+<ds:datastoreItem xmlns:ds="http://schemas.openxmlformats.org/officeDocument/2006/customXml" ds:itemID="{48DA3225-2CAA-4367-AD19-C168E829FD1B}">
+  <ds:schemaRefs>
+    <ds:schemaRef ds:uri="http://schemas.microsoft.com/sharepoint/events"/>
+  </ds:schemaRefs>
+</ds:datastoreItem>
+</file>
+
+<file path=customXml/itemProps2.xml><?xml version="1.0" encoding="utf-8"?>
+<ds:datastoreItem xmlns:ds="http://schemas.openxmlformats.org/officeDocument/2006/customXml" ds:itemID="{3BD13933-A5DB-4C1B-A3C0-3E8282377038}">
+  <ds:schemaRefs>
+    <ds:schemaRef ds:uri="http://schemas.microsoft.com/office/2006/documentManagement/types"/>
+    <ds:schemaRef ds:uri="http://schemas.openxmlformats.org/package/2006/metadata/core-properties"/>
+    <ds:schemaRef ds:uri="http://purl.org/dc/dcmitype/"/>
+    <ds:schemaRef ds:uri="http://purl.org/dc/terms/"/>
+    <ds:schemaRef ds:uri="http://www.w3.org/XML/1998/namespace"/>
+    <ds:schemaRef ds:uri="http://schemas.microsoft.com/office/infopath/2007/PartnerControls"/>
+    <ds:schemaRef ds:uri="01eb4bd6-a8ff-4439-b7eb-fe0a650fbd8a"/>
+    <ds:schemaRef ds:uri="http://schemas.microsoft.com/office/2006/metadata/properties"/>
+    <ds:schemaRef ds:uri="http://purl.org/dc/elements/1.1/"/>
+  </ds:schemaRefs>
+</ds:datastoreItem>
+</file>
+
+<file path=customXml/itemProps3.xml><?xml version="1.0" encoding="utf-8"?>
+<ds:datastoreItem xmlns:ds="http://schemas.openxmlformats.org/officeDocument/2006/customXml" ds:itemID="{16F8D2E5-07BB-47AE-B585-4E84BBEF5BCB}">
+  <ds:schemaRefs>
+    <ds:schemaRef ds:uri="http://schemas.microsoft.com/sharepoint/v3/contenttype/forms"/>
+  </ds:schemaRefs>
+</ds:datastoreItem>
+</file>
+
+<file path=customXml/itemProps4.xml><?xml version="1.0" encoding="utf-8"?>
 <ds:datastoreItem xmlns:ds="http://schemas.openxmlformats.org/officeDocument/2006/customXml" ds:itemID="{E1A2E32C-5121-4080-869C-5DE7FAABA962}">
   <ds:schemaRefs>
     <ds:schemaRef ds:uri="http://schemas.microsoft.com/office/2006/metadata/contentType"/>
@@ -8446,36 +8478,4 @@
     <ds:schemaRef ds:uri="http://schemas.microsoft.com/internal/obd"/>
   </ds:schemaRefs>
 </ds:datastoreItem>
-</file>
-
-<file path=customXml/itemProps2.xml><?xml version="1.0" encoding="utf-8"?>
-<ds:datastoreItem xmlns:ds="http://schemas.openxmlformats.org/officeDocument/2006/customXml" ds:itemID="{16F8D2E5-07BB-47AE-B585-4E84BBEF5BCB}">
-  <ds:schemaRefs>
-    <ds:schemaRef ds:uri="http://schemas.microsoft.com/sharepoint/v3/contenttype/forms"/>
-  </ds:schemaRefs>
-</ds:datastoreItem>
-</file>
-
-<file path=customXml/itemProps3.xml><?xml version="1.0" encoding="utf-8"?>
-<ds:datastoreItem xmlns:ds="http://schemas.openxmlformats.org/officeDocument/2006/customXml" ds:itemID="{3BD13933-A5DB-4C1B-A3C0-3E8282377038}">
-  <ds:schemaRefs>
-    <ds:schemaRef ds:uri="http://schemas.microsoft.com/office/2006/documentManagement/types"/>
-    <ds:schemaRef ds:uri="http://schemas.openxmlformats.org/package/2006/metadata/core-properties"/>
-    <ds:schemaRef ds:uri="http://purl.org/dc/dcmitype/"/>
-    <ds:schemaRef ds:uri="http://purl.org/dc/terms/"/>
-    <ds:schemaRef ds:uri="http://www.w3.org/XML/1998/namespace"/>
-    <ds:schemaRef ds:uri="http://schemas.microsoft.com/office/infopath/2007/PartnerControls"/>
-    <ds:schemaRef ds:uri="01eb4bd6-a8ff-4439-b7eb-fe0a650fbd8a"/>
-    <ds:schemaRef ds:uri="http://schemas.microsoft.com/office/2006/metadata/properties"/>
-    <ds:schemaRef ds:uri="http://purl.org/dc/elements/1.1/"/>
-  </ds:schemaRefs>
-</ds:datastoreItem>
-</file>
-
-<file path=customXml/itemProps4.xml><?xml version="1.0" encoding="utf-8"?>
-<ds:datastoreItem xmlns:ds="http://schemas.openxmlformats.org/officeDocument/2006/customXml" ds:itemID="{48DA3225-2CAA-4367-AD19-C168E829FD1B}">
-  <ds:schemaRefs>
-    <ds:schemaRef ds:uri="http://schemas.microsoft.com/sharepoint/events"/>
-  </ds:schemaRefs>
-</ds:datastoreItem>
 </file>